--- a/Bank Marketing Dataset.pptx
+++ b/Bank Marketing Dataset.pptx
@@ -9,12 +9,11 @@
     <p:sldId id="257" r:id="rId3"/>
     <p:sldId id="258" r:id="rId4"/>
     <p:sldId id="259" r:id="rId5"/>
-    <p:sldId id="260" r:id="rId6"/>
-    <p:sldId id="261" r:id="rId7"/>
-    <p:sldId id="262" r:id="rId8"/>
-    <p:sldId id="263" r:id="rId9"/>
-    <p:sldId id="264" r:id="rId10"/>
-    <p:sldId id="265" r:id="rId11"/>
+    <p:sldId id="261" r:id="rId6"/>
+    <p:sldId id="262" r:id="rId7"/>
+    <p:sldId id="263" r:id="rId8"/>
+    <p:sldId id="264" r:id="rId9"/>
+    <p:sldId id="265" r:id="rId10"/>
   </p:sldIdLst>
   <p:sldSz cx="12192000" cy="6858000"/>
   <p:notesSz cx="6858000" cy="9144000"/>
@@ -113,6 +112,11 @@
       </a:defRPr>
     </a:lvl9pPr>
   </p:defaultTextStyle>
+  <p:extLst>
+    <p:ext uri="{EFAFB233-063F-42B5-8137-9DF3F51BA10A}">
+      <p15:sldGuideLst xmlns:p15="http://schemas.microsoft.com/office/powerpoint/2012/main"/>
+    </p:ext>
+  </p:extLst>
 </p:presentation>
 </file>
 
@@ -341,7 +345,7 @@
             <a:fld id="{B61BEF0D-F0BB-DE4B-95CE-6DB70DBA9567}" type="datetimeFigureOut">
               <a:rPr lang="en-US" dirty="0"/>
               <a:pPr/>
-              <a:t>12/5/2018</a:t>
+              <a:t>12/6/2018</a:t>
             </a:fld>
             <a:endParaRPr lang="en-US" dirty="0"/>
           </a:p>
@@ -662,7 +666,7 @@
             <a:fld id="{B61BEF0D-F0BB-DE4B-95CE-6DB70DBA9567}" type="datetimeFigureOut">
               <a:rPr lang="en-US" dirty="0"/>
               <a:pPr/>
-              <a:t>12/5/2018</a:t>
+              <a:t>12/6/2018</a:t>
             </a:fld>
             <a:endParaRPr lang="en-US" dirty="0"/>
           </a:p>
@@ -907,7 +911,7 @@
             <a:fld id="{B61BEF0D-F0BB-DE4B-95CE-6DB70DBA9567}" type="datetimeFigureOut">
               <a:rPr lang="en-US" dirty="0"/>
               <a:pPr/>
-              <a:t>12/5/2018</a:t>
+              <a:t>12/6/2018</a:t>
             </a:fld>
             <a:endParaRPr lang="en-US" dirty="0"/>
           </a:p>
@@ -1243,7 +1247,7 @@
             <a:fld id="{B61BEF0D-F0BB-DE4B-95CE-6DB70DBA9567}" type="datetimeFigureOut">
               <a:rPr lang="en-US" dirty="0"/>
               <a:pPr/>
-              <a:t>12/5/2018</a:t>
+              <a:t>12/6/2018</a:t>
             </a:fld>
             <a:endParaRPr lang="en-US" dirty="0"/>
           </a:p>
@@ -1587,7 +1591,7 @@
             <a:fld id="{B61BEF0D-F0BB-DE4B-95CE-6DB70DBA9567}" type="datetimeFigureOut">
               <a:rPr lang="en-US" dirty="0"/>
               <a:pPr/>
-              <a:t>12/5/2018</a:t>
+              <a:t>12/6/2018</a:t>
             </a:fld>
             <a:endParaRPr lang="en-US" dirty="0"/>
           </a:p>
@@ -1958,7 +1962,7 @@
             <a:fld id="{B61BEF0D-F0BB-DE4B-95CE-6DB70DBA9567}" type="datetimeFigureOut">
               <a:rPr lang="en-US" dirty="0"/>
               <a:pPr/>
-              <a:t>12/5/2018</a:t>
+              <a:t>12/6/2018</a:t>
             </a:fld>
             <a:endParaRPr lang="en-US" dirty="0"/>
           </a:p>
@@ -2425,7 +2429,7 @@
             <a:fld id="{B61BEF0D-F0BB-DE4B-95CE-6DB70DBA9567}" type="datetimeFigureOut">
               <a:rPr lang="en-US" dirty="0"/>
               <a:pPr/>
-              <a:t>12/5/2018</a:t>
+              <a:t>12/6/2018</a:t>
             </a:fld>
             <a:endParaRPr lang="en-US" dirty="0"/>
           </a:p>
@@ -2627,7 +2631,7 @@
             <a:fld id="{B61BEF0D-F0BB-DE4B-95CE-6DB70DBA9567}" type="datetimeFigureOut">
               <a:rPr lang="en-US" dirty="0"/>
               <a:pPr/>
-              <a:t>12/5/2018</a:t>
+              <a:t>12/6/2018</a:t>
             </a:fld>
             <a:endParaRPr lang="en-US" dirty="0"/>
           </a:p>
@@ -2835,7 +2839,7 @@
             <a:fld id="{B61BEF0D-F0BB-DE4B-95CE-6DB70DBA9567}" type="datetimeFigureOut">
               <a:rPr lang="en-US" dirty="0"/>
               <a:pPr/>
-              <a:t>12/5/2018</a:t>
+              <a:t>12/6/2018</a:t>
             </a:fld>
             <a:endParaRPr lang="en-US" dirty="0"/>
           </a:p>
@@ -3062,7 +3066,7 @@
           <a:p>
             <a:fld id="{05BFA754-D5C3-4E66-96A6-867B257F58DC}" type="datetimeFigureOut">
               <a:rPr lang="en-US" dirty="0"/>
-              <a:t>12/5/2018</a:t>
+              <a:t>12/6/2018</a:t>
             </a:fld>
             <a:endParaRPr lang="en-US" dirty="0"/>
           </a:p>
@@ -3306,7 +3310,7 @@
             <a:fld id="{B61BEF0D-F0BB-DE4B-95CE-6DB70DBA9567}" type="datetimeFigureOut">
               <a:rPr lang="en-US" dirty="0"/>
               <a:pPr/>
-              <a:t>12/5/2018</a:t>
+              <a:t>12/6/2018</a:t>
             </a:fld>
             <a:endParaRPr lang="en-US" dirty="0"/>
           </a:p>
@@ -3600,7 +3604,7 @@
           <a:p>
             <a:fld id="{05BFA754-D5C3-4E66-96A6-867B257F58DC}" type="datetimeFigureOut">
               <a:rPr lang="en-US" dirty="0"/>
-              <a:t>12/5/2018</a:t>
+              <a:t>12/6/2018</a:t>
             </a:fld>
             <a:endParaRPr lang="en-US" dirty="0"/>
           </a:p>
@@ -3978,7 +3982,7 @@
             <a:fld id="{B61BEF0D-F0BB-DE4B-95CE-6DB70DBA9567}" type="datetimeFigureOut">
               <a:rPr lang="en-US" dirty="0"/>
               <a:pPr/>
-              <a:t>12/5/2018</a:t>
+              <a:t>12/6/2018</a:t>
             </a:fld>
             <a:endParaRPr lang="en-US" dirty="0"/>
           </a:p>
@@ -4124,7 +4128,7 @@
             <a:fld id="{B61BEF0D-F0BB-DE4B-95CE-6DB70DBA9567}" type="datetimeFigureOut">
               <a:rPr lang="en-US" dirty="0"/>
               <a:pPr/>
-              <a:t>12/5/2018</a:t>
+              <a:t>12/6/2018</a:t>
             </a:fld>
             <a:endParaRPr lang="en-US" dirty="0"/>
           </a:p>
@@ -4247,7 +4251,7 @@
             <a:fld id="{B61BEF0D-F0BB-DE4B-95CE-6DB70DBA9567}" type="datetimeFigureOut">
               <a:rPr lang="en-US" dirty="0"/>
               <a:pPr/>
-              <a:t>12/5/2018</a:t>
+              <a:t>12/6/2018</a:t>
             </a:fld>
             <a:endParaRPr lang="en-US" dirty="0"/>
           </a:p>
@@ -4499,7 +4503,7 @@
             <a:fld id="{B61BEF0D-F0BB-DE4B-95CE-6DB70DBA9567}" type="datetimeFigureOut">
               <a:rPr lang="en-US" dirty="0"/>
               <a:pPr/>
-              <a:t>12/5/2018</a:t>
+              <a:t>12/6/2018</a:t>
             </a:fld>
             <a:endParaRPr lang="en-US" dirty="0"/>
           </a:p>
@@ -4811,7 +4815,7 @@
             <a:fld id="{B61BEF0D-F0BB-DE4B-95CE-6DB70DBA9567}" type="datetimeFigureOut">
               <a:rPr lang="en-US" dirty="0"/>
               <a:pPr/>
-              <a:t>12/5/2018</a:t>
+              <a:t>12/6/2018</a:t>
             </a:fld>
             <a:endParaRPr lang="en-US" dirty="0"/>
           </a:p>
@@ -5052,7 +5056,7 @@
             <a:fld id="{B61BEF0D-F0BB-DE4B-95CE-6DB70DBA9567}" type="datetimeFigureOut">
               <a:rPr lang="en-US" dirty="0"/>
               <a:pPr/>
-              <a:t>12/5/2018</a:t>
+              <a:t>12/6/2018</a:t>
             </a:fld>
             <a:endParaRPr lang="en-US" dirty="0"/>
           </a:p>
@@ -5646,110 +5650,6 @@
 </p:sld>
 </file>
 
-<file path=ppt/slides/slide10.xml><?xml version="1.0" encoding="utf-8"?>
-<p:sld xmlns:a="http://schemas.openxmlformats.org/drawingml/2006/main" xmlns:r="http://schemas.openxmlformats.org/officeDocument/2006/relationships" xmlns:p="http://schemas.openxmlformats.org/presentationml/2006/main">
-  <p:cSld>
-    <p:spTree>
-      <p:nvGrpSpPr>
-        <p:cNvPr id="1" name=""/>
-        <p:cNvGrpSpPr/>
-        <p:nvPr/>
-      </p:nvGrpSpPr>
-      <p:grpSpPr>
-        <a:xfrm>
-          <a:off x="0" y="0"/>
-          <a:ext cx="0" cy="0"/>
-          <a:chOff x="0" y="0"/>
-          <a:chExt cx="0" cy="0"/>
-        </a:xfrm>
-      </p:grpSpPr>
-      <p:sp>
-        <p:nvSpPr>
-          <p:cNvPr id="2" name="Title 1"/>
-          <p:cNvSpPr>
-            <a:spLocks noGrp="1"/>
-          </p:cNvSpPr>
-          <p:nvPr>
-            <p:ph type="title"/>
-          </p:nvPr>
-        </p:nvSpPr>
-        <p:spPr/>
-        <p:txBody>
-          <a:bodyPr/>
-          <a:lstStyle/>
-          <a:p>
-            <a:endParaRPr lang="en-US"/>
-          </a:p>
-        </p:txBody>
-      </p:sp>
-      <p:sp>
-        <p:nvSpPr>
-          <p:cNvPr id="3" name="Content Placeholder 2"/>
-          <p:cNvSpPr>
-            <a:spLocks noGrp="1"/>
-          </p:cNvSpPr>
-          <p:nvPr>
-            <p:ph idx="1"/>
-          </p:nvPr>
-        </p:nvSpPr>
-        <p:spPr/>
-        <p:txBody>
-          <a:bodyPr/>
-          <a:lstStyle/>
-          <a:p>
-            <a:pPr marL="0" indent="0">
-              <a:buNone/>
-            </a:pPr>
-            <a:r>
-              <a:rPr lang="en-US" dirty="0" smtClean="0"/>
-              <a:t>  					</a:t>
-            </a:r>
-          </a:p>
-          <a:p>
-            <a:pPr marL="0" indent="0">
-              <a:buNone/>
-            </a:pPr>
-            <a:endParaRPr lang="en-US" dirty="0"/>
-          </a:p>
-          <a:p>
-            <a:pPr marL="0" indent="0">
-              <a:buNone/>
-            </a:pPr>
-            <a:r>
-              <a:rPr lang="en-US" dirty="0"/>
-              <a:t>	</a:t>
-            </a:r>
-            <a:r>
-              <a:rPr lang="en-US" dirty="0" smtClean="0"/>
-              <a:t>				 </a:t>
-            </a:r>
-            <a:r>
-              <a:rPr lang="en-US" sz="6600" dirty="0" smtClean="0">
-                <a:latin typeface="Times New Roman" panose="02020603050405020304" pitchFamily="18" charset="0"/>
-                <a:cs typeface="Times New Roman" panose="02020603050405020304" pitchFamily="18" charset="0"/>
-              </a:rPr>
-              <a:t>Thank You</a:t>
-            </a:r>
-            <a:endParaRPr lang="en-US" sz="6600" dirty="0">
-              <a:latin typeface="Times New Roman" panose="02020603050405020304" pitchFamily="18" charset="0"/>
-              <a:cs typeface="Times New Roman" panose="02020603050405020304" pitchFamily="18" charset="0"/>
-            </a:endParaRPr>
-          </a:p>
-        </p:txBody>
-      </p:sp>
-    </p:spTree>
-    <p:extLst>
-      <p:ext uri="{BB962C8B-B14F-4D97-AF65-F5344CB8AC3E}">
-        <p14:creationId xmlns:p14="http://schemas.microsoft.com/office/powerpoint/2010/main" val="97849038"/>
-      </p:ext>
-    </p:extLst>
-  </p:cSld>
-  <p:clrMapOvr>
-    <a:masterClrMapping/>
-  </p:clrMapOvr>
-</p:sld>
-</file>
-
 <file path=ppt/slides/slide2.xml><?xml version="1.0" encoding="utf-8"?>
 <p:sld xmlns:a="http://schemas.openxmlformats.org/drawingml/2006/main" xmlns:r="http://schemas.openxmlformats.org/officeDocument/2006/relationships" xmlns:p="http://schemas.openxmlformats.org/presentationml/2006/main">
   <p:cSld>
@@ -5811,12 +5711,13 @@
             </a:r>
             <a:r>
               <a:rPr lang="en-US" dirty="0"/>
-              <a:t>goal is to predict if the client will subscribe a term </a:t>
+              <a:t>goal is to predict if the </a:t>
             </a:r>
             <a:r>
               <a:rPr lang="en-US" dirty="0" smtClean="0"/>
-              <a:t>deposit</a:t>
-            </a:r>
+              <a:t>income is above or below 50k</a:t>
+            </a:r>
+            <a:endParaRPr lang="en-US" dirty="0" smtClean="0"/>
           </a:p>
           <a:p>
             <a:pPr marL="0" indent="0">
@@ -5832,7 +5733,7 @@
       </p:sp>
       <p:pic>
         <p:nvPicPr>
-          <p:cNvPr id="4" name="Picture 3"/>
+          <p:cNvPr id="5" name="Picture 4"/>
           <p:cNvPicPr>
             <a:picLocks noChangeAspect="1"/>
           </p:cNvPicPr>
@@ -5846,8 +5747,8 @@
         </p:blipFill>
         <p:spPr>
           <a:xfrm>
-            <a:off x="2114549" y="3400022"/>
-            <a:ext cx="7962900" cy="2914203"/>
+            <a:off x="2252528" y="3052294"/>
+            <a:ext cx="7316475" cy="3003661"/>
           </a:xfrm>
           <a:prstGeom prst="rect">
             <a:avLst/>
@@ -5928,320 +5829,105 @@
               <a:buNone/>
             </a:pPr>
             <a:r>
-              <a:rPr lang="en-US" sz="2000" dirty="0">
+              <a:rPr lang="en-US" sz="2000" dirty="0" smtClean="0">
                 <a:latin typeface="Times New Roman" panose="02020603050405020304" pitchFamily="18" charset="0"/>
                 <a:cs typeface="Times New Roman" panose="02020603050405020304" pitchFamily="18" charset="0"/>
               </a:rPr>
-              <a:t>1 - </a:t>
-            </a:r>
-            <a:r>
-              <a:rPr lang="en-US" sz="2000" b="1" dirty="0">
+              <a:t>Age</a:t>
+            </a:r>
+          </a:p>
+          <a:p>
+            <a:pPr marL="0" indent="0">
+              <a:buNone/>
+            </a:pPr>
+            <a:r>
+              <a:rPr lang="en-US" sz="2000" dirty="0" err="1" smtClean="0">
                 <a:latin typeface="Times New Roman" panose="02020603050405020304" pitchFamily="18" charset="0"/>
                 <a:cs typeface="Times New Roman" panose="02020603050405020304" pitchFamily="18" charset="0"/>
               </a:rPr>
-              <a:t>age:</a:t>
-            </a:r>
-            <a:r>
-              <a:rPr lang="en-US" sz="2000" dirty="0">
+              <a:t>Workclass</a:t>
+            </a:r>
+            <a:endParaRPr lang="en-US" sz="2000" dirty="0" smtClean="0">
+              <a:latin typeface="Times New Roman" panose="02020603050405020304" pitchFamily="18" charset="0"/>
+              <a:cs typeface="Times New Roman" panose="02020603050405020304" pitchFamily="18" charset="0"/>
+            </a:endParaRPr>
+          </a:p>
+          <a:p>
+            <a:pPr marL="0" indent="0">
+              <a:buNone/>
+            </a:pPr>
+            <a:r>
+              <a:rPr lang="en-US" sz="2000" dirty="0" err="1" smtClean="0">
                 <a:latin typeface="Times New Roman" panose="02020603050405020304" pitchFamily="18" charset="0"/>
                 <a:cs typeface="Times New Roman" panose="02020603050405020304" pitchFamily="18" charset="0"/>
               </a:rPr>
-              <a:t> (numeric)</a:t>
-            </a:r>
-            <a:r>
-              <a:rPr lang="en-US" sz="2000" dirty="0">
+              <a:t>Fnlwgt</a:t>
+            </a:r>
+            <a:endParaRPr lang="en-US" sz="2000" dirty="0" smtClean="0">
+              <a:latin typeface="Times New Roman" panose="02020603050405020304" pitchFamily="18" charset="0"/>
+              <a:cs typeface="Times New Roman" panose="02020603050405020304" pitchFamily="18" charset="0"/>
+            </a:endParaRPr>
+          </a:p>
+          <a:p>
+            <a:pPr marL="0" indent="0">
+              <a:buNone/>
+            </a:pPr>
+            <a:r>
+              <a:rPr lang="en-US" sz="2000" dirty="0" smtClean="0">
                 <a:latin typeface="Times New Roman" panose="02020603050405020304" pitchFamily="18" charset="0"/>
                 <a:cs typeface="Times New Roman" panose="02020603050405020304" pitchFamily="18" charset="0"/>
               </a:rPr>
-              <a:t/>
-            </a:r>
-            <a:br>
-              <a:rPr lang="en-US" sz="2000" dirty="0">
+              <a:t>Education</a:t>
+            </a:r>
+          </a:p>
+          <a:p>
+            <a:pPr marL="0" indent="0">
+              <a:buNone/>
+            </a:pPr>
+            <a:r>
+              <a:rPr lang="en-US" sz="2000" dirty="0" err="1" smtClean="0">
                 <a:latin typeface="Times New Roman" panose="02020603050405020304" pitchFamily="18" charset="0"/>
                 <a:cs typeface="Times New Roman" panose="02020603050405020304" pitchFamily="18" charset="0"/>
               </a:rPr>
-            </a:br>
-            <a:r>
-              <a:rPr lang="en-US" sz="2000" dirty="0">
+              <a:t>Education.num</a:t>
+            </a:r>
+            <a:endParaRPr lang="en-US" sz="2000" dirty="0" smtClean="0">
+              <a:latin typeface="Times New Roman" panose="02020603050405020304" pitchFamily="18" charset="0"/>
+              <a:cs typeface="Times New Roman" panose="02020603050405020304" pitchFamily="18" charset="0"/>
+            </a:endParaRPr>
+          </a:p>
+          <a:p>
+            <a:pPr marL="0" indent="0">
+              <a:buNone/>
+            </a:pPr>
+            <a:r>
+              <a:rPr lang="en-US" sz="2000" dirty="0" err="1" smtClean="0">
                 <a:latin typeface="Times New Roman" panose="02020603050405020304" pitchFamily="18" charset="0"/>
                 <a:cs typeface="Times New Roman" panose="02020603050405020304" pitchFamily="18" charset="0"/>
               </a:rPr>
-              <a:t>2 - </a:t>
-            </a:r>
-            <a:r>
-              <a:rPr lang="en-US" sz="2000" b="1" dirty="0">
+              <a:t>Marital.status</a:t>
+            </a:r>
+            <a:endParaRPr lang="en-US" sz="2000" dirty="0" smtClean="0">
+              <a:latin typeface="Times New Roman" panose="02020603050405020304" pitchFamily="18" charset="0"/>
+              <a:cs typeface="Times New Roman" panose="02020603050405020304" pitchFamily="18" charset="0"/>
+            </a:endParaRPr>
+          </a:p>
+          <a:p>
+            <a:pPr marL="0" indent="0">
+              <a:buNone/>
+            </a:pPr>
+            <a:r>
+              <a:rPr lang="en-US" sz="2000" dirty="0" smtClean="0">
                 <a:latin typeface="Times New Roman" panose="02020603050405020304" pitchFamily="18" charset="0"/>
                 <a:cs typeface="Times New Roman" panose="02020603050405020304" pitchFamily="18" charset="0"/>
               </a:rPr>
-              <a:t>job:</a:t>
-            </a:r>
-            <a:r>
-              <a:rPr lang="en-US" sz="2000" dirty="0">
-                <a:latin typeface="Times New Roman" panose="02020603050405020304" pitchFamily="18" charset="0"/>
-                <a:cs typeface="Times New Roman" panose="02020603050405020304" pitchFamily="18" charset="0"/>
-              </a:rPr>
-              <a:t> type of job (categorical: 'admin.','blue-collar','entrepreneur','housemaid','management','retired','self-employed','services','student','technician','unemployed','unknown')</a:t>
-            </a:r>
-            <a:r>
-              <a:rPr lang="en-US" sz="2000" dirty="0">
-                <a:latin typeface="Times New Roman" panose="02020603050405020304" pitchFamily="18" charset="0"/>
-                <a:cs typeface="Times New Roman" panose="02020603050405020304" pitchFamily="18" charset="0"/>
-              </a:rPr>
-              <a:t/>
-            </a:r>
-            <a:br>
-              <a:rPr lang="en-US" sz="2000" dirty="0">
-                <a:latin typeface="Times New Roman" panose="02020603050405020304" pitchFamily="18" charset="0"/>
-                <a:cs typeface="Times New Roman" panose="02020603050405020304" pitchFamily="18" charset="0"/>
-              </a:rPr>
-            </a:br>
-            <a:r>
-              <a:rPr lang="en-US" sz="2000" dirty="0">
-                <a:latin typeface="Times New Roman" panose="02020603050405020304" pitchFamily="18" charset="0"/>
-                <a:cs typeface="Times New Roman" panose="02020603050405020304" pitchFamily="18" charset="0"/>
-              </a:rPr>
-              <a:t>3 - </a:t>
-            </a:r>
-            <a:r>
-              <a:rPr lang="en-US" sz="2000" b="1" dirty="0">
-                <a:latin typeface="Times New Roman" panose="02020603050405020304" pitchFamily="18" charset="0"/>
-                <a:cs typeface="Times New Roman" panose="02020603050405020304" pitchFamily="18" charset="0"/>
-              </a:rPr>
-              <a:t>marital:</a:t>
-            </a:r>
-            <a:r>
-              <a:rPr lang="en-US" sz="2000" dirty="0">
-                <a:latin typeface="Times New Roman" panose="02020603050405020304" pitchFamily="18" charset="0"/>
-                <a:cs typeface="Times New Roman" panose="02020603050405020304" pitchFamily="18" charset="0"/>
-              </a:rPr>
-              <a:t> marital status (categorical: '</a:t>
-            </a:r>
-            <a:r>
-              <a:rPr lang="en-US" sz="2000" dirty="0" err="1">
-                <a:latin typeface="Times New Roman" panose="02020603050405020304" pitchFamily="18" charset="0"/>
-                <a:cs typeface="Times New Roman" panose="02020603050405020304" pitchFamily="18" charset="0"/>
-              </a:rPr>
-              <a:t>divorced','married','single','unknown</a:t>
-            </a:r>
-            <a:r>
-              <a:rPr lang="en-US" sz="2000" dirty="0">
-                <a:latin typeface="Times New Roman" panose="02020603050405020304" pitchFamily="18" charset="0"/>
-                <a:cs typeface="Times New Roman" panose="02020603050405020304" pitchFamily="18" charset="0"/>
-              </a:rPr>
-              <a:t>'; note: 'divorced' means divorced or widowed)</a:t>
-            </a:r>
-            <a:r>
-              <a:rPr lang="en-US" sz="2000" dirty="0">
-                <a:latin typeface="Times New Roman" panose="02020603050405020304" pitchFamily="18" charset="0"/>
-                <a:cs typeface="Times New Roman" panose="02020603050405020304" pitchFamily="18" charset="0"/>
-              </a:rPr>
-              <a:t/>
-            </a:r>
-            <a:br>
-              <a:rPr lang="en-US" sz="2000" dirty="0">
-                <a:latin typeface="Times New Roman" panose="02020603050405020304" pitchFamily="18" charset="0"/>
-                <a:cs typeface="Times New Roman" panose="02020603050405020304" pitchFamily="18" charset="0"/>
-              </a:rPr>
-            </a:br>
-            <a:r>
-              <a:rPr lang="en-US" sz="2000" dirty="0">
-                <a:latin typeface="Times New Roman" panose="02020603050405020304" pitchFamily="18" charset="0"/>
-                <a:cs typeface="Times New Roman" panose="02020603050405020304" pitchFamily="18" charset="0"/>
-              </a:rPr>
-              <a:t>4 - </a:t>
-            </a:r>
-            <a:r>
-              <a:rPr lang="en-US" sz="2000" b="1" dirty="0">
-                <a:latin typeface="Times New Roman" panose="02020603050405020304" pitchFamily="18" charset="0"/>
-                <a:cs typeface="Times New Roman" panose="02020603050405020304" pitchFamily="18" charset="0"/>
-              </a:rPr>
-              <a:t>education:</a:t>
-            </a:r>
-            <a:r>
-              <a:rPr lang="en-US" sz="2000" dirty="0">
-                <a:latin typeface="Times New Roman" panose="02020603050405020304" pitchFamily="18" charset="0"/>
-                <a:cs typeface="Times New Roman" panose="02020603050405020304" pitchFamily="18" charset="0"/>
-              </a:rPr>
-              <a:t> (categorical: primary, secondary, tertiary and unknown)</a:t>
-            </a:r>
-            <a:r>
-              <a:rPr lang="en-US" sz="2000" dirty="0">
-                <a:latin typeface="Times New Roman" panose="02020603050405020304" pitchFamily="18" charset="0"/>
-                <a:cs typeface="Times New Roman" panose="02020603050405020304" pitchFamily="18" charset="0"/>
-              </a:rPr>
-              <a:t/>
-            </a:r>
-            <a:br>
-              <a:rPr lang="en-US" sz="2000" dirty="0">
-                <a:latin typeface="Times New Roman" panose="02020603050405020304" pitchFamily="18" charset="0"/>
-                <a:cs typeface="Times New Roman" panose="02020603050405020304" pitchFamily="18" charset="0"/>
-              </a:rPr>
-            </a:br>
-            <a:r>
-              <a:rPr lang="en-US" sz="2000" dirty="0">
-                <a:latin typeface="Times New Roman" panose="02020603050405020304" pitchFamily="18" charset="0"/>
-                <a:cs typeface="Times New Roman" panose="02020603050405020304" pitchFamily="18" charset="0"/>
-              </a:rPr>
-              <a:t>5 - </a:t>
-            </a:r>
-            <a:r>
-              <a:rPr lang="en-US" sz="2000" b="1" dirty="0">
-                <a:latin typeface="Times New Roman" panose="02020603050405020304" pitchFamily="18" charset="0"/>
-                <a:cs typeface="Times New Roman" panose="02020603050405020304" pitchFamily="18" charset="0"/>
-              </a:rPr>
-              <a:t>default:</a:t>
-            </a:r>
-            <a:r>
-              <a:rPr lang="en-US" sz="2000" dirty="0">
-                <a:latin typeface="Times New Roman" panose="02020603050405020304" pitchFamily="18" charset="0"/>
-                <a:cs typeface="Times New Roman" panose="02020603050405020304" pitchFamily="18" charset="0"/>
-              </a:rPr>
-              <a:t> has credit in default? (categorical: '</a:t>
-            </a:r>
-            <a:r>
-              <a:rPr lang="en-US" sz="2000" dirty="0" err="1">
-                <a:latin typeface="Times New Roman" panose="02020603050405020304" pitchFamily="18" charset="0"/>
-                <a:cs typeface="Times New Roman" panose="02020603050405020304" pitchFamily="18" charset="0"/>
-              </a:rPr>
-              <a:t>no','yes','unknown</a:t>
-            </a:r>
-            <a:r>
-              <a:rPr lang="en-US" sz="2000" dirty="0">
-                <a:latin typeface="Times New Roman" panose="02020603050405020304" pitchFamily="18" charset="0"/>
-                <a:cs typeface="Times New Roman" panose="02020603050405020304" pitchFamily="18" charset="0"/>
-              </a:rPr>
-              <a:t>')</a:t>
-            </a:r>
-            <a:r>
-              <a:rPr lang="en-US" sz="2000" dirty="0">
-                <a:latin typeface="Times New Roman" panose="02020603050405020304" pitchFamily="18" charset="0"/>
-                <a:cs typeface="Times New Roman" panose="02020603050405020304" pitchFamily="18" charset="0"/>
-              </a:rPr>
-              <a:t/>
-            </a:r>
-            <a:br>
-              <a:rPr lang="en-US" sz="2000" dirty="0">
-                <a:latin typeface="Times New Roman" panose="02020603050405020304" pitchFamily="18" charset="0"/>
-                <a:cs typeface="Times New Roman" panose="02020603050405020304" pitchFamily="18" charset="0"/>
-              </a:rPr>
-            </a:br>
-            <a:r>
-              <a:rPr lang="en-US" sz="2000" dirty="0">
-                <a:latin typeface="Times New Roman" panose="02020603050405020304" pitchFamily="18" charset="0"/>
-                <a:cs typeface="Times New Roman" panose="02020603050405020304" pitchFamily="18" charset="0"/>
-              </a:rPr>
-              <a:t>6 - </a:t>
-            </a:r>
-            <a:r>
-              <a:rPr lang="en-US" sz="2000" b="1" dirty="0">
-                <a:latin typeface="Times New Roman" panose="02020603050405020304" pitchFamily="18" charset="0"/>
-                <a:cs typeface="Times New Roman" panose="02020603050405020304" pitchFamily="18" charset="0"/>
-              </a:rPr>
-              <a:t>housing:</a:t>
-            </a:r>
-            <a:r>
-              <a:rPr lang="en-US" sz="2000" dirty="0">
-                <a:latin typeface="Times New Roman" panose="02020603050405020304" pitchFamily="18" charset="0"/>
-                <a:cs typeface="Times New Roman" panose="02020603050405020304" pitchFamily="18" charset="0"/>
-              </a:rPr>
-              <a:t> has housing loan? (categorical: '</a:t>
-            </a:r>
-            <a:r>
-              <a:rPr lang="en-US" sz="2000" dirty="0" err="1">
-                <a:latin typeface="Times New Roman" panose="02020603050405020304" pitchFamily="18" charset="0"/>
-                <a:cs typeface="Times New Roman" panose="02020603050405020304" pitchFamily="18" charset="0"/>
-              </a:rPr>
-              <a:t>no','yes','unknown</a:t>
-            </a:r>
-            <a:r>
-              <a:rPr lang="en-US" sz="2000" dirty="0">
-                <a:latin typeface="Times New Roman" panose="02020603050405020304" pitchFamily="18" charset="0"/>
-                <a:cs typeface="Times New Roman" panose="02020603050405020304" pitchFamily="18" charset="0"/>
-              </a:rPr>
-              <a:t>')</a:t>
-            </a:r>
-            <a:r>
-              <a:rPr lang="en-US" sz="2000" dirty="0">
-                <a:latin typeface="Times New Roman" panose="02020603050405020304" pitchFamily="18" charset="0"/>
-                <a:cs typeface="Times New Roman" panose="02020603050405020304" pitchFamily="18" charset="0"/>
-              </a:rPr>
-              <a:t/>
-            </a:r>
-            <a:br>
-              <a:rPr lang="en-US" sz="2000" dirty="0">
-                <a:latin typeface="Times New Roman" panose="02020603050405020304" pitchFamily="18" charset="0"/>
-                <a:cs typeface="Times New Roman" panose="02020603050405020304" pitchFamily="18" charset="0"/>
-              </a:rPr>
-            </a:br>
-            <a:r>
-              <a:rPr lang="en-US" sz="2000" dirty="0">
-                <a:latin typeface="Times New Roman" panose="02020603050405020304" pitchFamily="18" charset="0"/>
-                <a:cs typeface="Times New Roman" panose="02020603050405020304" pitchFamily="18" charset="0"/>
-              </a:rPr>
-              <a:t>7 - </a:t>
-            </a:r>
-            <a:r>
-              <a:rPr lang="en-US" sz="2000" b="1" dirty="0">
-                <a:latin typeface="Times New Roman" panose="02020603050405020304" pitchFamily="18" charset="0"/>
-                <a:cs typeface="Times New Roman" panose="02020603050405020304" pitchFamily="18" charset="0"/>
-              </a:rPr>
-              <a:t>loan:</a:t>
-            </a:r>
-            <a:r>
-              <a:rPr lang="en-US" sz="2000" dirty="0">
-                <a:latin typeface="Times New Roman" panose="02020603050405020304" pitchFamily="18" charset="0"/>
-                <a:cs typeface="Times New Roman" panose="02020603050405020304" pitchFamily="18" charset="0"/>
-              </a:rPr>
-              <a:t> has personal loan? (categorical: '</a:t>
-            </a:r>
-            <a:r>
-              <a:rPr lang="en-US" sz="2000" dirty="0" err="1">
-                <a:latin typeface="Times New Roman" panose="02020603050405020304" pitchFamily="18" charset="0"/>
-                <a:cs typeface="Times New Roman" panose="02020603050405020304" pitchFamily="18" charset="0"/>
-              </a:rPr>
-              <a:t>no','yes','unknown</a:t>
-            </a:r>
-            <a:r>
-              <a:rPr lang="en-US" sz="2000" dirty="0">
-                <a:latin typeface="Times New Roman" panose="02020603050405020304" pitchFamily="18" charset="0"/>
-                <a:cs typeface="Times New Roman" panose="02020603050405020304" pitchFamily="18" charset="0"/>
-              </a:rPr>
-              <a:t>')</a:t>
-            </a:r>
-            <a:r>
-              <a:rPr lang="en-US" sz="2000" dirty="0">
-                <a:latin typeface="Times New Roman" panose="02020603050405020304" pitchFamily="18" charset="0"/>
-                <a:cs typeface="Times New Roman" panose="02020603050405020304" pitchFamily="18" charset="0"/>
-              </a:rPr>
-              <a:t/>
-            </a:r>
-            <a:br>
-              <a:rPr lang="en-US" sz="2000" dirty="0">
-                <a:latin typeface="Times New Roman" panose="02020603050405020304" pitchFamily="18" charset="0"/>
-                <a:cs typeface="Times New Roman" panose="02020603050405020304" pitchFamily="18" charset="0"/>
-              </a:rPr>
-            </a:br>
-            <a:r>
-              <a:rPr lang="en-US" sz="2000" dirty="0">
-                <a:latin typeface="Times New Roman" panose="02020603050405020304" pitchFamily="18" charset="0"/>
-                <a:cs typeface="Times New Roman" panose="02020603050405020304" pitchFamily="18" charset="0"/>
-              </a:rPr>
-              <a:t>8 - </a:t>
-            </a:r>
-            <a:r>
-              <a:rPr lang="en-US" sz="2000" b="1" dirty="0">
-                <a:latin typeface="Times New Roman" panose="02020603050405020304" pitchFamily="18" charset="0"/>
-                <a:cs typeface="Times New Roman" panose="02020603050405020304" pitchFamily="18" charset="0"/>
-              </a:rPr>
-              <a:t>balance:</a:t>
-            </a:r>
-            <a:r>
-              <a:rPr lang="en-US" sz="2000" dirty="0">
-                <a:latin typeface="Times New Roman" panose="02020603050405020304" pitchFamily="18" charset="0"/>
-                <a:cs typeface="Times New Roman" panose="02020603050405020304" pitchFamily="18" charset="0"/>
-              </a:rPr>
-              <a:t> Balance of the individual.</a:t>
-            </a:r>
+              <a:t>Occupation</a:t>
+            </a:r>
+          </a:p>
+          <a:p>
+            <a:pPr marL="0" indent="0">
+              <a:buNone/>
+            </a:pPr>
             <a:endParaRPr lang="en-US" sz="2000" dirty="0">
               <a:latin typeface="Times New Roman" panose="02020603050405020304" pitchFamily="18" charset="0"/>
               <a:cs typeface="Times New Roman" panose="02020603050405020304" pitchFamily="18" charset="0"/>
@@ -6311,287 +5997,120 @@
         <p:spPr/>
         <p:txBody>
           <a:bodyPr>
-            <a:normAutofit/>
+            <a:normAutofit fontScale="92500" lnSpcReduction="10000"/>
           </a:bodyPr>
           <a:lstStyle/>
           <a:p>
             <a:pPr marL="0" indent="0">
               <a:buNone/>
             </a:pPr>
-            <a:r>
-              <a:rPr lang="en-US" sz="2000" dirty="0">
-                <a:latin typeface="Times New Roman" panose="02020603050405020304" pitchFamily="18" charset="0"/>
-                <a:cs typeface="Times New Roman" panose="02020603050405020304" pitchFamily="18" charset="0"/>
-              </a:rPr>
-              <a:t>8 - </a:t>
-            </a:r>
-            <a:r>
-              <a:rPr lang="en-US" sz="2000" b="1" dirty="0">
-                <a:latin typeface="Times New Roman" panose="02020603050405020304" pitchFamily="18" charset="0"/>
-                <a:cs typeface="Times New Roman" panose="02020603050405020304" pitchFamily="18" charset="0"/>
-              </a:rPr>
-              <a:t>contact:</a:t>
-            </a:r>
-            <a:r>
-              <a:rPr lang="en-US" sz="2000" dirty="0">
-                <a:latin typeface="Times New Roman" panose="02020603050405020304" pitchFamily="18" charset="0"/>
-                <a:cs typeface="Times New Roman" panose="02020603050405020304" pitchFamily="18" charset="0"/>
-              </a:rPr>
-              <a:t> contact communication type (categorical: '</a:t>
-            </a:r>
-            <a:r>
-              <a:rPr lang="en-US" sz="2000" dirty="0" err="1">
-                <a:latin typeface="Times New Roman" panose="02020603050405020304" pitchFamily="18" charset="0"/>
-                <a:cs typeface="Times New Roman" panose="02020603050405020304" pitchFamily="18" charset="0"/>
-              </a:rPr>
-              <a:t>cellular','telephone</a:t>
-            </a:r>
-            <a:r>
-              <a:rPr lang="en-US" sz="2000" dirty="0">
-                <a:latin typeface="Times New Roman" panose="02020603050405020304" pitchFamily="18" charset="0"/>
-                <a:cs typeface="Times New Roman" panose="02020603050405020304" pitchFamily="18" charset="0"/>
-              </a:rPr>
-              <a:t>') </a:t>
-            </a:r>
-            <a:r>
-              <a:rPr lang="en-US" sz="2000" dirty="0">
-                <a:latin typeface="Times New Roman" panose="02020603050405020304" pitchFamily="18" charset="0"/>
-                <a:cs typeface="Times New Roman" panose="02020603050405020304" pitchFamily="18" charset="0"/>
-              </a:rPr>
-              <a:t/>
-            </a:r>
-            <a:br>
-              <a:rPr lang="en-US" sz="2000" dirty="0">
-                <a:latin typeface="Times New Roman" panose="02020603050405020304" pitchFamily="18" charset="0"/>
-                <a:cs typeface="Times New Roman" panose="02020603050405020304" pitchFamily="18" charset="0"/>
-              </a:rPr>
-            </a:br>
             <a:r>
               <a:rPr lang="en-US" sz="2000" dirty="0" smtClean="0">
                 <a:latin typeface="Times New Roman" panose="02020603050405020304" pitchFamily="18" charset="0"/>
                 <a:cs typeface="Times New Roman" panose="02020603050405020304" pitchFamily="18" charset="0"/>
               </a:rPr>
-              <a:t>9 </a:t>
-            </a:r>
-            <a:r>
-              <a:rPr lang="en-US" sz="2000" dirty="0">
-                <a:latin typeface="Times New Roman" panose="02020603050405020304" pitchFamily="18" charset="0"/>
-                <a:cs typeface="Times New Roman" panose="02020603050405020304" pitchFamily="18" charset="0"/>
-              </a:rPr>
-              <a:t>- </a:t>
-            </a:r>
-            <a:r>
-              <a:rPr lang="en-US" sz="2000" b="1" dirty="0">
-                <a:latin typeface="Times New Roman" panose="02020603050405020304" pitchFamily="18" charset="0"/>
-                <a:cs typeface="Times New Roman" panose="02020603050405020304" pitchFamily="18" charset="0"/>
-              </a:rPr>
-              <a:t>month:</a:t>
-            </a:r>
-            <a:r>
-              <a:rPr lang="en-US" sz="2000" dirty="0">
-                <a:latin typeface="Times New Roman" panose="02020603050405020304" pitchFamily="18" charset="0"/>
-                <a:cs typeface="Times New Roman" panose="02020603050405020304" pitchFamily="18" charset="0"/>
-              </a:rPr>
-              <a:t> last contact month of year (categorical: '</a:t>
-            </a:r>
-            <a:r>
-              <a:rPr lang="en-US" sz="2000" dirty="0" err="1">
-                <a:latin typeface="Times New Roman" panose="02020603050405020304" pitchFamily="18" charset="0"/>
-                <a:cs typeface="Times New Roman" panose="02020603050405020304" pitchFamily="18" charset="0"/>
-              </a:rPr>
-              <a:t>jan</a:t>
-            </a:r>
-            <a:r>
-              <a:rPr lang="en-US" sz="2000" dirty="0">
-                <a:latin typeface="Times New Roman" panose="02020603050405020304" pitchFamily="18" charset="0"/>
-                <a:cs typeface="Times New Roman" panose="02020603050405020304" pitchFamily="18" charset="0"/>
-              </a:rPr>
-              <a:t>', '</a:t>
-            </a:r>
-            <a:r>
-              <a:rPr lang="en-US" sz="2000" dirty="0" err="1">
-                <a:latin typeface="Times New Roman" panose="02020603050405020304" pitchFamily="18" charset="0"/>
-                <a:cs typeface="Times New Roman" panose="02020603050405020304" pitchFamily="18" charset="0"/>
-              </a:rPr>
-              <a:t>feb</a:t>
-            </a:r>
-            <a:r>
-              <a:rPr lang="en-US" sz="2000" dirty="0">
-                <a:latin typeface="Times New Roman" panose="02020603050405020304" pitchFamily="18" charset="0"/>
-                <a:cs typeface="Times New Roman" panose="02020603050405020304" pitchFamily="18" charset="0"/>
-              </a:rPr>
-              <a:t>', 'mar', ..., '</a:t>
-            </a:r>
-            <a:r>
-              <a:rPr lang="en-US" sz="2000" dirty="0" err="1">
-                <a:latin typeface="Times New Roman" panose="02020603050405020304" pitchFamily="18" charset="0"/>
-                <a:cs typeface="Times New Roman" panose="02020603050405020304" pitchFamily="18" charset="0"/>
-              </a:rPr>
-              <a:t>nov</a:t>
-            </a:r>
-            <a:r>
-              <a:rPr lang="en-US" sz="2000" dirty="0">
-                <a:latin typeface="Times New Roman" panose="02020603050405020304" pitchFamily="18" charset="0"/>
-                <a:cs typeface="Times New Roman" panose="02020603050405020304" pitchFamily="18" charset="0"/>
-              </a:rPr>
-              <a:t>', '</a:t>
-            </a:r>
-            <a:r>
-              <a:rPr lang="en-US" sz="2000" dirty="0" err="1">
-                <a:latin typeface="Times New Roman" panose="02020603050405020304" pitchFamily="18" charset="0"/>
-                <a:cs typeface="Times New Roman" panose="02020603050405020304" pitchFamily="18" charset="0"/>
-              </a:rPr>
-              <a:t>dec</a:t>
-            </a:r>
-            <a:r>
-              <a:rPr lang="en-US" sz="2000" dirty="0">
-                <a:latin typeface="Times New Roman" panose="02020603050405020304" pitchFamily="18" charset="0"/>
-                <a:cs typeface="Times New Roman" panose="02020603050405020304" pitchFamily="18" charset="0"/>
-              </a:rPr>
-              <a:t>')</a:t>
-            </a:r>
-            <a:r>
-              <a:rPr lang="en-US" sz="2000" dirty="0">
-                <a:latin typeface="Times New Roman" panose="02020603050405020304" pitchFamily="18" charset="0"/>
-                <a:cs typeface="Times New Roman" panose="02020603050405020304" pitchFamily="18" charset="0"/>
-              </a:rPr>
-              <a:t/>
-            </a:r>
-            <a:br>
-              <a:rPr lang="en-US" sz="2000" dirty="0">
-                <a:latin typeface="Times New Roman" panose="02020603050405020304" pitchFamily="18" charset="0"/>
-                <a:cs typeface="Times New Roman" panose="02020603050405020304" pitchFamily="18" charset="0"/>
-              </a:rPr>
-            </a:br>
+              <a:t>Relationship</a:t>
+            </a:r>
+          </a:p>
+          <a:p>
+            <a:pPr marL="0" indent="0">
+              <a:buNone/>
+            </a:pPr>
             <a:r>
               <a:rPr lang="en-US" sz="2000" dirty="0" smtClean="0">
                 <a:latin typeface="Times New Roman" panose="02020603050405020304" pitchFamily="18" charset="0"/>
                 <a:cs typeface="Times New Roman" panose="02020603050405020304" pitchFamily="18" charset="0"/>
               </a:rPr>
-              <a:t>10 </a:t>
-            </a:r>
-            <a:r>
-              <a:rPr lang="en-US" sz="2000" dirty="0">
-                <a:latin typeface="Times New Roman" panose="02020603050405020304" pitchFamily="18" charset="0"/>
-                <a:cs typeface="Times New Roman" panose="02020603050405020304" pitchFamily="18" charset="0"/>
-              </a:rPr>
-              <a:t>- </a:t>
-            </a:r>
-            <a:r>
-              <a:rPr lang="en-US" sz="2000" b="1" dirty="0">
-                <a:latin typeface="Times New Roman" panose="02020603050405020304" pitchFamily="18" charset="0"/>
-                <a:cs typeface="Times New Roman" panose="02020603050405020304" pitchFamily="18" charset="0"/>
-              </a:rPr>
-              <a:t>day:</a:t>
-            </a:r>
-            <a:r>
-              <a:rPr lang="en-US" sz="2000" dirty="0">
-                <a:latin typeface="Times New Roman" panose="02020603050405020304" pitchFamily="18" charset="0"/>
-                <a:cs typeface="Times New Roman" panose="02020603050405020304" pitchFamily="18" charset="0"/>
-              </a:rPr>
-              <a:t> last contact day of the week (categorical: '</a:t>
-            </a:r>
-            <a:r>
-              <a:rPr lang="en-US" sz="2000" dirty="0" err="1">
-                <a:latin typeface="Times New Roman" panose="02020603050405020304" pitchFamily="18" charset="0"/>
-                <a:cs typeface="Times New Roman" panose="02020603050405020304" pitchFamily="18" charset="0"/>
-              </a:rPr>
-              <a:t>mon</a:t>
-            </a:r>
-            <a:r>
-              <a:rPr lang="en-US" sz="2000" dirty="0">
-                <a:latin typeface="Times New Roman" panose="02020603050405020304" pitchFamily="18" charset="0"/>
-                <a:cs typeface="Times New Roman" panose="02020603050405020304" pitchFamily="18" charset="0"/>
-              </a:rPr>
-              <a:t>','</a:t>
-            </a:r>
-            <a:r>
-              <a:rPr lang="en-US" sz="2000" dirty="0" err="1">
-                <a:latin typeface="Times New Roman" panose="02020603050405020304" pitchFamily="18" charset="0"/>
-                <a:cs typeface="Times New Roman" panose="02020603050405020304" pitchFamily="18" charset="0"/>
-              </a:rPr>
-              <a:t>tue</a:t>
-            </a:r>
-            <a:r>
-              <a:rPr lang="en-US" sz="2000" dirty="0">
-                <a:latin typeface="Times New Roman" panose="02020603050405020304" pitchFamily="18" charset="0"/>
-                <a:cs typeface="Times New Roman" panose="02020603050405020304" pitchFamily="18" charset="0"/>
-              </a:rPr>
-              <a:t>','wed','</a:t>
-            </a:r>
-            <a:r>
-              <a:rPr lang="en-US" sz="2000" dirty="0" err="1">
-                <a:latin typeface="Times New Roman" panose="02020603050405020304" pitchFamily="18" charset="0"/>
-                <a:cs typeface="Times New Roman" panose="02020603050405020304" pitchFamily="18" charset="0"/>
-              </a:rPr>
-              <a:t>thu</a:t>
-            </a:r>
-            <a:r>
-              <a:rPr lang="en-US" sz="2000" dirty="0">
-                <a:latin typeface="Times New Roman" panose="02020603050405020304" pitchFamily="18" charset="0"/>
-                <a:cs typeface="Times New Roman" panose="02020603050405020304" pitchFamily="18" charset="0"/>
-              </a:rPr>
-              <a:t>','</a:t>
-            </a:r>
-            <a:r>
-              <a:rPr lang="en-US" sz="2000" dirty="0" err="1">
-                <a:latin typeface="Times New Roman" panose="02020603050405020304" pitchFamily="18" charset="0"/>
-                <a:cs typeface="Times New Roman" panose="02020603050405020304" pitchFamily="18" charset="0"/>
-              </a:rPr>
-              <a:t>fri</a:t>
-            </a:r>
-            <a:r>
-              <a:rPr lang="en-US" sz="2000" dirty="0">
-                <a:latin typeface="Times New Roman" panose="02020603050405020304" pitchFamily="18" charset="0"/>
-                <a:cs typeface="Times New Roman" panose="02020603050405020304" pitchFamily="18" charset="0"/>
-              </a:rPr>
-              <a:t>')</a:t>
-            </a:r>
-            <a:r>
-              <a:rPr lang="en-US" sz="2000" dirty="0">
-                <a:latin typeface="Times New Roman" panose="02020603050405020304" pitchFamily="18" charset="0"/>
-                <a:cs typeface="Times New Roman" panose="02020603050405020304" pitchFamily="18" charset="0"/>
-              </a:rPr>
-              <a:t/>
-            </a:r>
-            <a:br>
-              <a:rPr lang="en-US" sz="2000" dirty="0">
-                <a:latin typeface="Times New Roman" panose="02020603050405020304" pitchFamily="18" charset="0"/>
-                <a:cs typeface="Times New Roman" panose="02020603050405020304" pitchFamily="18" charset="0"/>
-              </a:rPr>
-            </a:br>
+              <a:t>Race</a:t>
+            </a:r>
+          </a:p>
+          <a:p>
+            <a:pPr marL="0" indent="0">
+              <a:buNone/>
+            </a:pPr>
             <a:r>
               <a:rPr lang="en-US" sz="2000" dirty="0" smtClean="0">
                 <a:latin typeface="Times New Roman" panose="02020603050405020304" pitchFamily="18" charset="0"/>
                 <a:cs typeface="Times New Roman" panose="02020603050405020304" pitchFamily="18" charset="0"/>
               </a:rPr>
-              <a:t>11 </a:t>
-            </a:r>
-            <a:r>
-              <a:rPr lang="en-US" sz="2000" dirty="0">
+              <a:t>Sex</a:t>
+            </a:r>
+          </a:p>
+          <a:p>
+            <a:pPr marL="0" indent="0">
+              <a:buNone/>
+            </a:pPr>
+            <a:r>
+              <a:rPr lang="en-US" sz="2000" dirty="0" err="1" smtClean="0">
                 <a:latin typeface="Times New Roman" panose="02020603050405020304" pitchFamily="18" charset="0"/>
                 <a:cs typeface="Times New Roman" panose="02020603050405020304" pitchFamily="18" charset="0"/>
               </a:rPr>
-              <a:t>- </a:t>
-            </a:r>
-            <a:r>
-              <a:rPr lang="en-US" sz="2000" b="1" dirty="0">
+              <a:t>Capital.gain</a:t>
+            </a:r>
+            <a:endParaRPr lang="en-US" sz="2000" dirty="0" smtClean="0">
+              <a:latin typeface="Times New Roman" panose="02020603050405020304" pitchFamily="18" charset="0"/>
+              <a:cs typeface="Times New Roman" panose="02020603050405020304" pitchFamily="18" charset="0"/>
+            </a:endParaRPr>
+          </a:p>
+          <a:p>
+            <a:pPr marL="0" indent="0">
+              <a:buNone/>
+            </a:pPr>
+            <a:r>
+              <a:rPr lang="en-US" sz="2000" dirty="0" err="1" smtClean="0">
                 <a:latin typeface="Times New Roman" panose="02020603050405020304" pitchFamily="18" charset="0"/>
                 <a:cs typeface="Times New Roman" panose="02020603050405020304" pitchFamily="18" charset="0"/>
               </a:rPr>
-              <a:t>duration:</a:t>
-            </a:r>
-            <a:r>
-              <a:rPr lang="en-US" sz="2000" dirty="0">
+              <a:t>Capital.loss</a:t>
+            </a:r>
+            <a:endParaRPr lang="en-US" sz="2000" dirty="0" smtClean="0">
+              <a:latin typeface="Times New Roman" panose="02020603050405020304" pitchFamily="18" charset="0"/>
+              <a:cs typeface="Times New Roman" panose="02020603050405020304" pitchFamily="18" charset="0"/>
+            </a:endParaRPr>
+          </a:p>
+          <a:p>
+            <a:pPr marL="0" indent="0">
+              <a:buNone/>
+            </a:pPr>
+            <a:r>
+              <a:rPr lang="en-US" sz="2000" dirty="0" err="1" smtClean="0">
                 <a:latin typeface="Times New Roman" panose="02020603050405020304" pitchFamily="18" charset="0"/>
                 <a:cs typeface="Times New Roman" panose="02020603050405020304" pitchFamily="18" charset="0"/>
               </a:rPr>
-              <a:t> last contact duration, in seconds (numeric). Important note: this attribute highly affects the output target (e.g., if duration=0 then y='no'). Yet, the duration is not known before a call is performed. Also, after the end of the call y is obviously known. Thus, this input should only be included for benchmark purposes and should be discarded if the intention is to have a realistic predictive model.</a:t>
-            </a:r>
-            <a:endParaRPr lang="en-US" sz="2000" dirty="0">
+              <a:t>Hours.per.week</a:t>
+            </a:r>
+            <a:endParaRPr lang="en-US" sz="2000" dirty="0" smtClean="0">
               <a:latin typeface="Times New Roman" panose="02020603050405020304" pitchFamily="18" charset="0"/>
               <a:cs typeface="Times New Roman" panose="02020603050405020304" pitchFamily="18" charset="0"/>
             </a:endParaRPr>
+          </a:p>
+          <a:p>
+            <a:pPr marL="0" indent="0">
+              <a:buNone/>
+            </a:pPr>
+            <a:r>
+              <a:rPr lang="en-US" sz="2000" dirty="0" err="1" smtClean="0">
+                <a:latin typeface="Times New Roman" panose="02020603050405020304" pitchFamily="18" charset="0"/>
+                <a:cs typeface="Times New Roman" panose="02020603050405020304" pitchFamily="18" charset="0"/>
+              </a:rPr>
+              <a:t>Native.country</a:t>
+            </a:r>
+            <a:endParaRPr lang="en-US" sz="2000" dirty="0" smtClean="0">
+              <a:latin typeface="Times New Roman" panose="02020603050405020304" pitchFamily="18" charset="0"/>
+              <a:cs typeface="Times New Roman" panose="02020603050405020304" pitchFamily="18" charset="0"/>
+            </a:endParaRPr>
+          </a:p>
+          <a:p>
+            <a:pPr marL="0" indent="0">
+              <a:buNone/>
+            </a:pPr>
+            <a:r>
+              <a:rPr lang="en-US" sz="2000" dirty="0" smtClean="0">
+                <a:latin typeface="Times New Roman" panose="02020603050405020304" pitchFamily="18" charset="0"/>
+                <a:cs typeface="Times New Roman" panose="02020603050405020304" pitchFamily="18" charset="0"/>
+              </a:rPr>
+              <a:t>Income</a:t>
+            </a:r>
           </a:p>
         </p:txBody>
       </p:sp>
@@ -6640,7 +6159,11 @@
           <a:bodyPr/>
           <a:lstStyle/>
           <a:p>
-            <a:endParaRPr lang="en-US"/>
+            <a:r>
+              <a:rPr lang="en-US" dirty="0" smtClean="0"/>
+              <a:t>Features Selected</a:t>
+            </a:r>
+            <a:endParaRPr lang="en-US" dirty="0"/>
           </a:p>
         </p:txBody>
       </p:sp>
@@ -6656,214 +6179,82 @@
         </p:nvSpPr>
         <p:spPr/>
         <p:txBody>
-          <a:bodyPr>
-            <a:noAutofit/>
-          </a:bodyPr>
-          <a:lstStyle/>
-          <a:p>
-            <a:pPr marL="0" indent="0">
-              <a:buNone/>
-            </a:pPr>
-            <a:r>
-              <a:rPr lang="en-US" sz="2000" dirty="0">
+          <a:bodyPr/>
+          <a:lstStyle/>
+          <a:p>
+            <a:r>
+              <a:rPr lang="en-US" dirty="0" smtClean="0">
                 <a:latin typeface="Times New Roman" panose="02020603050405020304" pitchFamily="18" charset="0"/>
                 <a:cs typeface="Times New Roman" panose="02020603050405020304" pitchFamily="18" charset="0"/>
               </a:rPr>
-              <a:t>12 - </a:t>
-            </a:r>
-            <a:r>
-              <a:rPr lang="en-US" sz="2000" b="1" dirty="0">
+              <a:t>Target variable: </a:t>
+            </a:r>
+            <a:r>
+              <a:rPr lang="en-US" dirty="0" smtClean="0">
                 <a:latin typeface="Times New Roman" panose="02020603050405020304" pitchFamily="18" charset="0"/>
                 <a:cs typeface="Times New Roman" panose="02020603050405020304" pitchFamily="18" charset="0"/>
               </a:rPr>
-              <a:t>campaign:</a:t>
-            </a:r>
-            <a:r>
-              <a:rPr lang="en-US" sz="2000" dirty="0">
+              <a:t>Income</a:t>
+            </a:r>
+            <a:endParaRPr lang="en-US" dirty="0" smtClean="0">
+              <a:latin typeface="Times New Roman" panose="02020603050405020304" pitchFamily="18" charset="0"/>
+              <a:cs typeface="Times New Roman" panose="02020603050405020304" pitchFamily="18" charset="0"/>
+            </a:endParaRPr>
+          </a:p>
+          <a:p>
+            <a:r>
+              <a:rPr lang="en-US" dirty="0" smtClean="0">
                 <a:latin typeface="Times New Roman" panose="02020603050405020304" pitchFamily="18" charset="0"/>
                 <a:cs typeface="Times New Roman" panose="02020603050405020304" pitchFamily="18" charset="0"/>
               </a:rPr>
-              <a:t> number of contacts performed during this campaign and for this client (numeric, includes last contact)</a:t>
-            </a:r>
-            <a:br>
-              <a:rPr lang="en-US" sz="2000" dirty="0">
+              <a:t>Feature</a:t>
+            </a:r>
+            <a:r>
+              <a:rPr lang="en-US" dirty="0" smtClean="0">
                 <a:latin typeface="Times New Roman" panose="02020603050405020304" pitchFamily="18" charset="0"/>
                 <a:cs typeface="Times New Roman" panose="02020603050405020304" pitchFamily="18" charset="0"/>
               </a:rPr>
-            </a:br>
-            <a:r>
-              <a:rPr lang="en-US" sz="2000" dirty="0">
+              <a:t> </a:t>
+            </a:r>
+            <a:r>
+              <a:rPr lang="en-US" dirty="0" smtClean="0">
                 <a:latin typeface="Times New Roman" panose="02020603050405020304" pitchFamily="18" charset="0"/>
                 <a:cs typeface="Times New Roman" panose="02020603050405020304" pitchFamily="18" charset="0"/>
               </a:rPr>
-              <a:t>13 - </a:t>
-            </a:r>
-            <a:r>
-              <a:rPr lang="en-US" sz="2000" b="1" dirty="0" err="1">
+              <a:t>Variable</a:t>
+            </a:r>
+            <a:r>
+              <a:rPr lang="en-US" dirty="0" smtClean="0">
                 <a:latin typeface="Times New Roman" panose="02020603050405020304" pitchFamily="18" charset="0"/>
                 <a:cs typeface="Times New Roman" panose="02020603050405020304" pitchFamily="18" charset="0"/>
               </a:rPr>
-              <a:t>pdays</a:t>
-            </a:r>
-            <a:r>
-              <a:rPr lang="en-US" sz="2000" b="1" dirty="0">
+              <a:t>: </a:t>
+            </a:r>
+            <a:r>
+              <a:rPr lang="en-US" dirty="0" err="1" smtClean="0">
                 <a:latin typeface="Times New Roman" panose="02020603050405020304" pitchFamily="18" charset="0"/>
                 <a:cs typeface="Times New Roman" panose="02020603050405020304" pitchFamily="18" charset="0"/>
               </a:rPr>
-              <a:t>:</a:t>
-            </a:r>
-            <a:r>
-              <a:rPr lang="en-US" sz="2000" dirty="0">
+              <a:t>Education.num,Workclass</a:t>
+            </a:r>
+            <a:r>
+              <a:rPr lang="en-US" dirty="0" smtClean="0">
                 <a:latin typeface="Times New Roman" panose="02020603050405020304" pitchFamily="18" charset="0"/>
                 <a:cs typeface="Times New Roman" panose="02020603050405020304" pitchFamily="18" charset="0"/>
               </a:rPr>
-              <a:t> number of days that passed by after the client was last contacted from a previous campaign (numeric; 999 means client was not previously contacted)</a:t>
-            </a:r>
-            <a:br>
-              <a:rPr lang="en-US" sz="2000" dirty="0">
-                <a:latin typeface="Times New Roman" panose="02020603050405020304" pitchFamily="18" charset="0"/>
-                <a:cs typeface="Times New Roman" panose="02020603050405020304" pitchFamily="18" charset="0"/>
-              </a:rPr>
-            </a:br>
-            <a:r>
-              <a:rPr lang="en-US" sz="2000" dirty="0">
-                <a:latin typeface="Times New Roman" panose="02020603050405020304" pitchFamily="18" charset="0"/>
-                <a:cs typeface="Times New Roman" panose="02020603050405020304" pitchFamily="18" charset="0"/>
-              </a:rPr>
-              <a:t>14 - </a:t>
-            </a:r>
-            <a:r>
-              <a:rPr lang="en-US" sz="2000" b="1" dirty="0">
-                <a:latin typeface="Times New Roman" panose="02020603050405020304" pitchFamily="18" charset="0"/>
-                <a:cs typeface="Times New Roman" panose="02020603050405020304" pitchFamily="18" charset="0"/>
-              </a:rPr>
-              <a:t>previous:</a:t>
-            </a:r>
-            <a:r>
-              <a:rPr lang="en-US" sz="2000" dirty="0">
-                <a:latin typeface="Times New Roman" panose="02020603050405020304" pitchFamily="18" charset="0"/>
-                <a:cs typeface="Times New Roman" panose="02020603050405020304" pitchFamily="18" charset="0"/>
-              </a:rPr>
-              <a:t> number of contacts performed before this campaign and for this client (numeric)</a:t>
-            </a:r>
-            <a:br>
-              <a:rPr lang="en-US" sz="2000" dirty="0">
-                <a:latin typeface="Times New Roman" panose="02020603050405020304" pitchFamily="18" charset="0"/>
-                <a:cs typeface="Times New Roman" panose="02020603050405020304" pitchFamily="18" charset="0"/>
-              </a:rPr>
-            </a:br>
-            <a:r>
-              <a:rPr lang="en-US" sz="2000" dirty="0">
-                <a:latin typeface="Times New Roman" panose="02020603050405020304" pitchFamily="18" charset="0"/>
-                <a:cs typeface="Times New Roman" panose="02020603050405020304" pitchFamily="18" charset="0"/>
-              </a:rPr>
-              <a:t>15 - </a:t>
-            </a:r>
-            <a:r>
-              <a:rPr lang="en-US" sz="2000" b="1" dirty="0" err="1">
-                <a:latin typeface="Times New Roman" panose="02020603050405020304" pitchFamily="18" charset="0"/>
-                <a:cs typeface="Times New Roman" panose="02020603050405020304" pitchFamily="18" charset="0"/>
-              </a:rPr>
-              <a:t>poutcome</a:t>
-            </a:r>
-            <a:r>
-              <a:rPr lang="en-US" sz="2000" b="1" dirty="0">
-                <a:latin typeface="Times New Roman" panose="02020603050405020304" pitchFamily="18" charset="0"/>
-                <a:cs typeface="Times New Roman" panose="02020603050405020304" pitchFamily="18" charset="0"/>
-              </a:rPr>
-              <a:t>:</a:t>
-            </a:r>
-            <a:r>
-              <a:rPr lang="en-US" sz="2000" dirty="0">
-                <a:latin typeface="Times New Roman" panose="02020603050405020304" pitchFamily="18" charset="0"/>
-                <a:cs typeface="Times New Roman" panose="02020603050405020304" pitchFamily="18" charset="0"/>
-              </a:rPr>
-              <a:t> outcome of the previous marketing campaign (categorical: '</a:t>
-            </a:r>
-            <a:r>
-              <a:rPr lang="en-US" sz="2000" dirty="0" err="1">
-                <a:latin typeface="Times New Roman" panose="02020603050405020304" pitchFamily="18" charset="0"/>
-                <a:cs typeface="Times New Roman" panose="02020603050405020304" pitchFamily="18" charset="0"/>
-              </a:rPr>
-              <a:t>failure','nonexistent','success</a:t>
-            </a:r>
-            <a:r>
-              <a:rPr lang="en-US" sz="2000" dirty="0">
-                <a:latin typeface="Times New Roman" panose="02020603050405020304" pitchFamily="18" charset="0"/>
-                <a:cs typeface="Times New Roman" panose="02020603050405020304" pitchFamily="18" charset="0"/>
-              </a:rPr>
-              <a:t>')</a:t>
-            </a:r>
-            <a:br>
-              <a:rPr lang="en-US" sz="2000" dirty="0">
-                <a:latin typeface="Times New Roman" panose="02020603050405020304" pitchFamily="18" charset="0"/>
-                <a:cs typeface="Times New Roman" panose="02020603050405020304" pitchFamily="18" charset="0"/>
-              </a:rPr>
-            </a:br>
-            <a:endParaRPr lang="en-US" sz="2000" dirty="0">
+              <a:t>, Education, Age, Occupation, Race, Sex</a:t>
+            </a:r>
+            <a:endParaRPr lang="en-US" dirty="0">
               <a:latin typeface="Times New Roman" panose="02020603050405020304" pitchFamily="18" charset="0"/>
               <a:cs typeface="Times New Roman" panose="02020603050405020304" pitchFamily="18" charset="0"/>
             </a:endParaRPr>
           </a:p>
-          <a:p>
-            <a:pPr marL="0" indent="0">
-              <a:buNone/>
-            </a:pPr>
-            <a:r>
-              <a:rPr lang="en-US" sz="2000" dirty="0">
-                <a:latin typeface="Times New Roman" panose="02020603050405020304" pitchFamily="18" charset="0"/>
-                <a:cs typeface="Times New Roman" panose="02020603050405020304" pitchFamily="18" charset="0"/>
-              </a:rPr>
-              <a:t>Output variable (desired target):</a:t>
-            </a:r>
-            <a:br>
-              <a:rPr lang="en-US" sz="2000" dirty="0">
-                <a:latin typeface="Times New Roman" panose="02020603050405020304" pitchFamily="18" charset="0"/>
-                <a:cs typeface="Times New Roman" panose="02020603050405020304" pitchFamily="18" charset="0"/>
-              </a:rPr>
-            </a:br>
-            <a:r>
-              <a:rPr lang="en-US" sz="2000" dirty="0">
-                <a:latin typeface="Times New Roman" panose="02020603050405020304" pitchFamily="18" charset="0"/>
-                <a:cs typeface="Times New Roman" panose="02020603050405020304" pitchFamily="18" charset="0"/>
-              </a:rPr>
-              <a:t>21 - </a:t>
-            </a:r>
-            <a:r>
-              <a:rPr lang="en-US" sz="2000" b="1" dirty="0">
-                <a:latin typeface="Times New Roman" panose="02020603050405020304" pitchFamily="18" charset="0"/>
-                <a:cs typeface="Times New Roman" panose="02020603050405020304" pitchFamily="18" charset="0"/>
-              </a:rPr>
-              <a:t>y</a:t>
-            </a:r>
-            <a:r>
-              <a:rPr lang="en-US" sz="2000" dirty="0">
-                <a:latin typeface="Times New Roman" panose="02020603050405020304" pitchFamily="18" charset="0"/>
-                <a:cs typeface="Times New Roman" panose="02020603050405020304" pitchFamily="18" charset="0"/>
-              </a:rPr>
-              <a:t> - has the client subscribed a term deposit? (binary: '</a:t>
-            </a:r>
-            <a:r>
-              <a:rPr lang="en-US" sz="2000" dirty="0" err="1">
-                <a:latin typeface="Times New Roman" panose="02020603050405020304" pitchFamily="18" charset="0"/>
-                <a:cs typeface="Times New Roman" panose="02020603050405020304" pitchFamily="18" charset="0"/>
-              </a:rPr>
-              <a:t>yes','no</a:t>
-            </a:r>
-            <a:r>
-              <a:rPr lang="en-US" sz="2000" dirty="0">
-                <a:latin typeface="Times New Roman" panose="02020603050405020304" pitchFamily="18" charset="0"/>
-                <a:cs typeface="Times New Roman" panose="02020603050405020304" pitchFamily="18" charset="0"/>
-              </a:rPr>
-              <a:t>')</a:t>
-            </a:r>
-          </a:p>
         </p:txBody>
       </p:sp>
     </p:spTree>
     <p:extLst>
       <p:ext uri="{BB962C8B-B14F-4D97-AF65-F5344CB8AC3E}">
-        <p14:creationId xmlns:p14="http://schemas.microsoft.com/office/powerpoint/2010/main" val="145056013"/>
+        <p14:creationId xmlns:p14="http://schemas.microsoft.com/office/powerpoint/2010/main" val="3046304832"/>
       </p:ext>
     </p:extLst>
   </p:cSld>
@@ -6907,7 +6298,7 @@
           <a:p>
             <a:r>
               <a:rPr lang="en-US" dirty="0" smtClean="0"/>
-              <a:t>Features Selected</a:t>
+              <a:t>Visualization</a:t>
             </a:r>
             <a:endParaRPr lang="en-US" dirty="0"/>
           </a:p>
@@ -6928,47 +6319,14 @@
           <a:bodyPr/>
           <a:lstStyle/>
           <a:p>
-            <a:r>
-              <a:rPr lang="en-US" dirty="0" smtClean="0">
-                <a:latin typeface="Times New Roman" panose="02020603050405020304" pitchFamily="18" charset="0"/>
-                <a:cs typeface="Times New Roman" panose="02020603050405020304" pitchFamily="18" charset="0"/>
-              </a:rPr>
-              <a:t>Target variable: Deposit</a:t>
-            </a:r>
-          </a:p>
-          <a:p>
-            <a:r>
-              <a:rPr lang="en-US" dirty="0" smtClean="0">
-                <a:latin typeface="Times New Roman" panose="02020603050405020304" pitchFamily="18" charset="0"/>
-                <a:cs typeface="Times New Roman" panose="02020603050405020304" pitchFamily="18" charset="0"/>
-              </a:rPr>
-              <a:t>Predict Variable: marital, duration, </a:t>
-            </a:r>
-            <a:r>
-              <a:rPr lang="en-US" dirty="0" err="1" smtClean="0">
-                <a:latin typeface="Times New Roman" panose="02020603050405020304" pitchFamily="18" charset="0"/>
-                <a:cs typeface="Times New Roman" panose="02020603050405020304" pitchFamily="18" charset="0"/>
-              </a:rPr>
-              <a:t>pdays</a:t>
-            </a:r>
-            <a:r>
-              <a:rPr lang="en-US" dirty="0" smtClean="0">
-                <a:latin typeface="Times New Roman" panose="02020603050405020304" pitchFamily="18" charset="0"/>
-                <a:cs typeface="Times New Roman" panose="02020603050405020304" pitchFamily="18" charset="0"/>
-              </a:rPr>
-              <a:t>, loan, education</a:t>
-            </a:r>
-            <a:endParaRPr lang="en-US" dirty="0">
-              <a:latin typeface="Times New Roman" panose="02020603050405020304" pitchFamily="18" charset="0"/>
-              <a:cs typeface="Times New Roman" panose="02020603050405020304" pitchFamily="18" charset="0"/>
-            </a:endParaRPr>
+            <a:endParaRPr lang="en-US"/>
           </a:p>
         </p:txBody>
       </p:sp>
     </p:spTree>
     <p:extLst>
       <p:ext uri="{BB962C8B-B14F-4D97-AF65-F5344CB8AC3E}">
-        <p14:creationId xmlns:p14="http://schemas.microsoft.com/office/powerpoint/2010/main" val="3046304832"/>
+        <p14:creationId xmlns:p14="http://schemas.microsoft.com/office/powerpoint/2010/main" val="3631362468"/>
       </p:ext>
     </p:extLst>
   </p:cSld>
@@ -7012,21 +6370,38 @@
           <a:p>
             <a:r>
               <a:rPr lang="en-US" dirty="0" smtClean="0"/>
-              <a:t>Visualization</a:t>
-            </a:r>
+              <a:t>Confusion Matrix</a:t>
+            </a:r>
+            <a:endParaRPr lang="en-US" dirty="0"/>
+          </a:p>
+        </p:txBody>
+      </p:sp>
+      <p:sp>
+        <p:nvSpPr>
+          <p:cNvPr id="6" name="Content Placeholder 5"/>
+          <p:cNvSpPr>
+            <a:spLocks noGrp="1"/>
+          </p:cNvSpPr>
+          <p:nvPr>
+            <p:ph idx="1"/>
+          </p:nvPr>
+        </p:nvSpPr>
+        <p:spPr/>
+        <p:txBody>
+          <a:bodyPr/>
+          <a:lstStyle/>
+          <a:p>
             <a:endParaRPr lang="en-US" dirty="0"/>
           </a:p>
         </p:txBody>
       </p:sp>
       <p:pic>
         <p:nvPicPr>
-          <p:cNvPr id="4" name="Content Placeholder 3"/>
+          <p:cNvPr id="3" name="Picture 2"/>
           <p:cNvPicPr>
-            <a:picLocks noGrp="1" noChangeAspect="1"/>
+            <a:picLocks noChangeAspect="1"/>
           </p:cNvPicPr>
-          <p:nvPr>
-            <p:ph idx="1"/>
-          </p:nvPr>
+          <p:nvPr/>
         </p:nvPicPr>
         <p:blipFill>
           <a:blip r:embed="rId2"/>
@@ -7036,8 +6411,8 @@
         </p:blipFill>
         <p:spPr>
           <a:xfrm>
-            <a:off x="2717443" y="2524259"/>
-            <a:ext cx="6903076" cy="3747752"/>
+            <a:off x="4314423" y="3142445"/>
+            <a:ext cx="2833352" cy="2434107"/>
           </a:xfrm>
           <a:prstGeom prst="rect">
             <a:avLst/>
@@ -7047,7 +6422,7 @@
     </p:spTree>
     <p:extLst>
       <p:ext uri="{BB962C8B-B14F-4D97-AF65-F5344CB8AC3E}">
-        <p14:creationId xmlns:p14="http://schemas.microsoft.com/office/powerpoint/2010/main" val="3631362468"/>
+        <p14:creationId xmlns:p14="http://schemas.microsoft.com/office/powerpoint/2010/main" val="3199466564"/>
       </p:ext>
     </p:extLst>
   </p:cSld>
@@ -7090,16 +6465,16 @@
           <a:lstStyle/>
           <a:p>
             <a:r>
-              <a:rPr lang="en-US" dirty="0" smtClean="0"/>
-              <a:t>Confusion Matrix</a:t>
-            </a:r>
-            <a:endParaRPr lang="en-US" dirty="0"/>
-          </a:p>
-        </p:txBody>
-      </p:sp>
-      <p:sp>
-        <p:nvSpPr>
-          <p:cNvPr id="6" name="Content Placeholder 5"/>
+              <a:rPr lang="en-US" smtClean="0"/>
+              <a:t>Accuracy Metrics</a:t>
+            </a:r>
+            <a:endParaRPr lang="en-US" dirty="0"/>
+          </a:p>
+        </p:txBody>
+      </p:sp>
+      <p:sp>
+        <p:nvSpPr>
+          <p:cNvPr id="3" name="Content Placeholder 2"/>
           <p:cNvSpPr>
             <a:spLocks noGrp="1"/>
           </p:cNvSpPr>
@@ -7112,38 +6487,118 @@
           <a:bodyPr/>
           <a:lstStyle/>
           <a:p>
-            <a:endParaRPr lang="en-US" dirty="0"/>
-          </a:p>
-        </p:txBody>
-      </p:sp>
-      <p:pic>
-        <p:nvPicPr>
-          <p:cNvPr id="7" name="Picture 6"/>
-          <p:cNvPicPr>
-            <a:picLocks noChangeAspect="1"/>
-          </p:cNvPicPr>
-          <p:nvPr/>
-        </p:nvPicPr>
-        <p:blipFill>
-          <a:blip r:embed="rId2"/>
-          <a:stretch>
-            <a:fillRect/>
-          </a:stretch>
-        </p:blipFill>
-        <p:spPr>
-          <a:xfrm>
-            <a:off x="4443212" y="3222210"/>
-            <a:ext cx="3052292" cy="2444493"/>
-          </a:xfrm>
-          <a:prstGeom prst="rect">
-            <a:avLst/>
-          </a:prstGeom>
-        </p:spPr>
-      </p:pic>
+            <a:r>
+              <a:rPr lang="en-US" dirty="0" smtClean="0">
+                <a:latin typeface="Times New Roman" panose="02020603050405020304" pitchFamily="18" charset="0"/>
+                <a:cs typeface="Times New Roman" panose="02020603050405020304" pitchFamily="18" charset="0"/>
+              </a:rPr>
+              <a:t>Accuracy: </a:t>
+            </a:r>
+            <a:r>
+              <a:rPr lang="en-US" dirty="0" smtClean="0">
+                <a:latin typeface="Times New Roman" panose="02020603050405020304" pitchFamily="18" charset="0"/>
+                <a:cs typeface="Times New Roman" panose="02020603050405020304" pitchFamily="18" charset="0"/>
+              </a:rPr>
+              <a:t>0.79</a:t>
+            </a:r>
+            <a:endParaRPr lang="en-US" dirty="0" smtClean="0">
+              <a:latin typeface="Times New Roman" panose="02020603050405020304" pitchFamily="18" charset="0"/>
+              <a:cs typeface="Times New Roman" panose="02020603050405020304" pitchFamily="18" charset="0"/>
+            </a:endParaRPr>
+          </a:p>
+          <a:p>
+            <a:r>
+              <a:rPr lang="en-US" dirty="0" smtClean="0">
+                <a:latin typeface="Times New Roman" panose="02020603050405020304" pitchFamily="18" charset="0"/>
+                <a:cs typeface="Times New Roman" panose="02020603050405020304" pitchFamily="18" charset="0"/>
+              </a:rPr>
+              <a:t>Precision: </a:t>
+            </a:r>
+            <a:r>
+              <a:rPr lang="en-US" dirty="0" smtClean="0">
+                <a:latin typeface="Times New Roman" panose="02020603050405020304" pitchFamily="18" charset="0"/>
+                <a:cs typeface="Times New Roman" panose="02020603050405020304" pitchFamily="18" charset="0"/>
+              </a:rPr>
+              <a:t>0.66</a:t>
+            </a:r>
+            <a:endParaRPr lang="en-US" dirty="0" smtClean="0">
+              <a:latin typeface="Times New Roman" panose="02020603050405020304" pitchFamily="18" charset="0"/>
+              <a:cs typeface="Times New Roman" panose="02020603050405020304" pitchFamily="18" charset="0"/>
+            </a:endParaRPr>
+          </a:p>
+          <a:p>
+            <a:r>
+              <a:rPr lang="en-US" dirty="0" smtClean="0">
+                <a:latin typeface="Times New Roman" panose="02020603050405020304" pitchFamily="18" charset="0"/>
+                <a:cs typeface="Times New Roman" panose="02020603050405020304" pitchFamily="18" charset="0"/>
+              </a:rPr>
+              <a:t>Recall: </a:t>
+            </a:r>
+            <a:r>
+              <a:rPr lang="en-US" dirty="0" smtClean="0">
+                <a:latin typeface="Times New Roman" panose="02020603050405020304" pitchFamily="18" charset="0"/>
+                <a:cs typeface="Times New Roman" panose="02020603050405020304" pitchFamily="18" charset="0"/>
+              </a:rPr>
+              <a:t>0.35</a:t>
+            </a:r>
+            <a:endParaRPr lang="en-US" dirty="0" smtClean="0">
+              <a:latin typeface="Times New Roman" panose="02020603050405020304" pitchFamily="18" charset="0"/>
+              <a:cs typeface="Times New Roman" panose="02020603050405020304" pitchFamily="18" charset="0"/>
+            </a:endParaRPr>
+          </a:p>
+          <a:p>
+            <a:r>
+              <a:rPr lang="en-US" dirty="0" err="1" smtClean="0">
+                <a:latin typeface="Times New Roman" panose="02020603050405020304" pitchFamily="18" charset="0"/>
+                <a:cs typeface="Times New Roman" panose="02020603050405020304" pitchFamily="18" charset="0"/>
+              </a:rPr>
+              <a:t>Sepicificity</a:t>
+            </a:r>
+            <a:r>
+              <a:rPr lang="en-US" dirty="0" smtClean="0">
+                <a:latin typeface="Times New Roman" panose="02020603050405020304" pitchFamily="18" charset="0"/>
+                <a:cs typeface="Times New Roman" panose="02020603050405020304" pitchFamily="18" charset="0"/>
+              </a:rPr>
+              <a:t>: </a:t>
+            </a:r>
+            <a:r>
+              <a:rPr lang="en-US" dirty="0" smtClean="0">
+                <a:latin typeface="Times New Roman" panose="02020603050405020304" pitchFamily="18" charset="0"/>
+                <a:cs typeface="Times New Roman" panose="02020603050405020304" pitchFamily="18" charset="0"/>
+              </a:rPr>
+              <a:t>0.94</a:t>
+            </a:r>
+            <a:endParaRPr lang="en-US" dirty="0" smtClean="0">
+              <a:latin typeface="Times New Roman" panose="02020603050405020304" pitchFamily="18" charset="0"/>
+              <a:cs typeface="Times New Roman" panose="02020603050405020304" pitchFamily="18" charset="0"/>
+            </a:endParaRPr>
+          </a:p>
+          <a:p>
+            <a:r>
+              <a:rPr lang="en-US" dirty="0" smtClean="0">
+                <a:latin typeface="Times New Roman" panose="02020603050405020304" pitchFamily="18" charset="0"/>
+                <a:cs typeface="Times New Roman" panose="02020603050405020304" pitchFamily="18" charset="0"/>
+              </a:rPr>
+              <a:t>F1 Score: </a:t>
+            </a:r>
+            <a:r>
+              <a:rPr lang="en-US" dirty="0" smtClean="0">
+                <a:latin typeface="Times New Roman" panose="02020603050405020304" pitchFamily="18" charset="0"/>
+                <a:cs typeface="Times New Roman" panose="02020603050405020304" pitchFamily="18" charset="0"/>
+              </a:rPr>
+              <a:t>0.46</a:t>
+            </a:r>
+            <a:endParaRPr lang="en-US" dirty="0">
+              <a:latin typeface="Times New Roman" panose="02020603050405020304" pitchFamily="18" charset="0"/>
+              <a:cs typeface="Times New Roman" panose="02020603050405020304" pitchFamily="18" charset="0"/>
+            </a:endParaRPr>
+          </a:p>
+        </p:txBody>
+      </p:sp>
     </p:spTree>
     <p:extLst>
       <p:ext uri="{BB962C8B-B14F-4D97-AF65-F5344CB8AC3E}">
-        <p14:creationId xmlns:p14="http://schemas.microsoft.com/office/powerpoint/2010/main" val="3199466564"/>
+        <p14:creationId xmlns:p14="http://schemas.microsoft.com/office/powerpoint/2010/main" val="3720607101"/>
       </p:ext>
     </p:extLst>
   </p:cSld>
@@ -7185,11 +6640,7 @@
           <a:bodyPr/>
           <a:lstStyle/>
           <a:p>
-            <a:r>
-              <a:rPr lang="en-US" smtClean="0"/>
-              <a:t>Accuracy Metrics</a:t>
-            </a:r>
-            <a:endParaRPr lang="en-US" dirty="0"/>
+            <a:endParaRPr lang="en-US"/>
           </a:p>
         </p:txBody>
       </p:sp>
@@ -7208,57 +6659,40 @@
           <a:bodyPr/>
           <a:lstStyle/>
           <a:p>
-            <a:r>
-              <a:rPr lang="en-US" dirty="0" smtClean="0">
+            <a:pPr marL="0" indent="0">
+              <a:buNone/>
+            </a:pPr>
+            <a:r>
+              <a:rPr lang="en-US" dirty="0" smtClean="0"/>
+              <a:t>  					</a:t>
+            </a:r>
+          </a:p>
+          <a:p>
+            <a:pPr marL="0" indent="0">
+              <a:buNone/>
+            </a:pPr>
+            <a:endParaRPr lang="en-US" dirty="0"/>
+          </a:p>
+          <a:p>
+            <a:pPr marL="0" indent="0">
+              <a:buNone/>
+            </a:pPr>
+            <a:r>
+              <a:rPr lang="en-US" dirty="0"/>
+              <a:t>	</a:t>
+            </a:r>
+            <a:r>
+              <a:rPr lang="en-US" dirty="0" smtClean="0"/>
+              <a:t>				 </a:t>
+            </a:r>
+            <a:r>
+              <a:rPr lang="en-US" sz="6600" dirty="0" smtClean="0">
                 <a:latin typeface="Times New Roman" panose="02020603050405020304" pitchFamily="18" charset="0"/>
                 <a:cs typeface="Times New Roman" panose="02020603050405020304" pitchFamily="18" charset="0"/>
               </a:rPr>
-              <a:t>Accuracy: 0.74</a:t>
-            </a:r>
-          </a:p>
-          <a:p>
-            <a:r>
-              <a:rPr lang="en-US" dirty="0" smtClean="0">
-                <a:latin typeface="Times New Roman" panose="02020603050405020304" pitchFamily="18" charset="0"/>
-                <a:cs typeface="Times New Roman" panose="02020603050405020304" pitchFamily="18" charset="0"/>
-              </a:rPr>
-              <a:t>Precision: 0.75</a:t>
-            </a:r>
-          </a:p>
-          <a:p>
-            <a:r>
-              <a:rPr lang="en-US" dirty="0" smtClean="0">
-                <a:latin typeface="Times New Roman" panose="02020603050405020304" pitchFamily="18" charset="0"/>
-                <a:cs typeface="Times New Roman" panose="02020603050405020304" pitchFamily="18" charset="0"/>
-              </a:rPr>
-              <a:t>Recall: 0.65</a:t>
-            </a:r>
-          </a:p>
-          <a:p>
-            <a:r>
-              <a:rPr lang="en-US" dirty="0" err="1" smtClean="0">
-                <a:latin typeface="Times New Roman" panose="02020603050405020304" pitchFamily="18" charset="0"/>
-                <a:cs typeface="Times New Roman" panose="02020603050405020304" pitchFamily="18" charset="0"/>
-              </a:rPr>
-              <a:t>Sepicificity</a:t>
-            </a:r>
-            <a:r>
-              <a:rPr lang="en-US" dirty="0" smtClean="0">
-                <a:latin typeface="Times New Roman" panose="02020603050405020304" pitchFamily="18" charset="0"/>
-                <a:cs typeface="Times New Roman" panose="02020603050405020304" pitchFamily="18" charset="0"/>
-              </a:rPr>
-              <a:t>: 0.82</a:t>
-            </a:r>
-          </a:p>
-          <a:p>
-            <a:r>
-              <a:rPr lang="en-US" dirty="0" smtClean="0">
-                <a:latin typeface="Times New Roman" panose="02020603050405020304" pitchFamily="18" charset="0"/>
-                <a:cs typeface="Times New Roman" panose="02020603050405020304" pitchFamily="18" charset="0"/>
-              </a:rPr>
-              <a:t>F1 Score: 0.7</a:t>
-            </a:r>
-            <a:endParaRPr lang="en-US" dirty="0">
+              <a:t>Thank You</a:t>
+            </a:r>
+            <a:endParaRPr lang="en-US" sz="6600" dirty="0">
               <a:latin typeface="Times New Roman" panose="02020603050405020304" pitchFamily="18" charset="0"/>
               <a:cs typeface="Times New Roman" panose="02020603050405020304" pitchFamily="18" charset="0"/>
             </a:endParaRPr>
@@ -7268,7 +6702,7 @@
     </p:spTree>
     <p:extLst>
       <p:ext uri="{BB962C8B-B14F-4D97-AF65-F5344CB8AC3E}">
-        <p14:creationId xmlns:p14="http://schemas.microsoft.com/office/powerpoint/2010/main" val="3720607101"/>
+        <p14:creationId xmlns:p14="http://schemas.microsoft.com/office/powerpoint/2010/main" val="97849038"/>
       </p:ext>
     </p:extLst>
   </p:cSld>
